--- a/4. KMU/Third Semester/01. Data Visualization/Tableau/projects/빅데이터시각화_중간_발표자료_170422.pptx
+++ b/4. KMU/Third Semester/01. Data Visualization/Tableau/projects/빅데이터시각화_중간_발표자료_170422.pptx
@@ -713,7 +713,7 @@
             <a:fld id="{A3B92E32-2655-4E69-A71A-18565F28A977}" type="datetimeFigureOut">
               <a:rPr lang="ko-KR" altLang="en-US" smtClean="0"/>
               <a:pPr/>
-              <a:t>2017-04-22</a:t>
+              <a:t>2017-06-09</a:t>
             </a:fld>
             <a:endParaRPr lang="ko-KR" altLang="en-US"/>
           </a:p>
@@ -899,7 +899,7 @@
             <a:fld id="{A3B92E32-2655-4E69-A71A-18565F28A977}" type="datetimeFigureOut">
               <a:rPr lang="ko-KR" altLang="en-US" smtClean="0"/>
               <a:pPr/>
-              <a:t>2017-04-22</a:t>
+              <a:t>2017-06-09</a:t>
             </a:fld>
             <a:endParaRPr lang="ko-KR" altLang="en-US"/>
           </a:p>
@@ -1085,7 +1085,7 @@
             <a:fld id="{A3B92E32-2655-4E69-A71A-18565F28A977}" type="datetimeFigureOut">
               <a:rPr lang="ko-KR" altLang="en-US" smtClean="0"/>
               <a:pPr/>
-              <a:t>2017-04-22</a:t>
+              <a:t>2017-06-09</a:t>
             </a:fld>
             <a:endParaRPr lang="ko-KR" altLang="en-US"/>
           </a:p>
@@ -1338,7 +1338,7 @@
             <a:fld id="{A3B92E32-2655-4E69-A71A-18565F28A977}" type="datetimeFigureOut">
               <a:rPr lang="ko-KR" altLang="en-US" smtClean="0"/>
               <a:pPr/>
-              <a:t>2017-04-22</a:t>
+              <a:t>2017-06-09</a:t>
             </a:fld>
             <a:endParaRPr lang="ko-KR" altLang="en-US"/>
           </a:p>
@@ -1583,7 +1583,7 @@
             <a:fld id="{A3B92E32-2655-4E69-A71A-18565F28A977}" type="datetimeFigureOut">
               <a:rPr lang="ko-KR" altLang="en-US" smtClean="0"/>
               <a:pPr/>
-              <a:t>2017-04-22</a:t>
+              <a:t>2017-06-09</a:t>
             </a:fld>
             <a:endParaRPr lang="ko-KR" altLang="en-US"/>
           </a:p>
@@ -1964,7 +1964,7 @@
             <a:fld id="{A3B92E32-2655-4E69-A71A-18565F28A977}" type="datetimeFigureOut">
               <a:rPr lang="ko-KR" altLang="en-US" smtClean="0"/>
               <a:pPr/>
-              <a:t>2017-04-22</a:t>
+              <a:t>2017-06-09</a:t>
             </a:fld>
             <a:endParaRPr lang="ko-KR" altLang="en-US"/>
           </a:p>
@@ -2091,7 +2091,7 @@
             <a:fld id="{A3B92E32-2655-4E69-A71A-18565F28A977}" type="datetimeFigureOut">
               <a:rPr lang="ko-KR" altLang="en-US" smtClean="0"/>
               <a:pPr/>
-              <a:t>2017-04-22</a:t>
+              <a:t>2017-06-09</a:t>
             </a:fld>
             <a:endParaRPr lang="ko-KR" altLang="en-US"/>
           </a:p>
@@ -2188,7 +2188,7 @@
             <a:fld id="{A3B92E32-2655-4E69-A71A-18565F28A977}" type="datetimeFigureOut">
               <a:rPr lang="ko-KR" altLang="en-US" smtClean="0"/>
               <a:pPr/>
-              <a:t>2017-04-22</a:t>
+              <a:t>2017-06-09</a:t>
             </a:fld>
             <a:endParaRPr lang="ko-KR" altLang="en-US"/>
           </a:p>
@@ -2474,7 +2474,7 @@
             <a:fld id="{A3B92E32-2655-4E69-A71A-18565F28A977}" type="datetimeFigureOut">
               <a:rPr lang="ko-KR" altLang="en-US" smtClean="0"/>
               <a:pPr/>
-              <a:t>2017-04-22</a:t>
+              <a:t>2017-06-09</a:t>
             </a:fld>
             <a:endParaRPr lang="ko-KR" altLang="en-US"/>
           </a:p>
@@ -2737,7 +2737,7 @@
             <a:fld id="{A3B92E32-2655-4E69-A71A-18565F28A977}" type="datetimeFigureOut">
               <a:rPr lang="ko-KR" altLang="en-US" smtClean="0"/>
               <a:pPr/>
-              <a:t>2017-04-22</a:t>
+              <a:t>2017-06-09</a:t>
             </a:fld>
             <a:endParaRPr lang="ko-KR" altLang="en-US"/>
           </a:p>
@@ -2950,7 +2950,7 @@
             <a:fld id="{A3B92E32-2655-4E69-A71A-18565F28A977}" type="datetimeFigureOut">
               <a:rPr lang="ko-KR" altLang="en-US" smtClean="0"/>
               <a:pPr/>
-              <a:t>2017-04-22</a:t>
+              <a:t>2017-06-09</a:t>
             </a:fld>
             <a:endParaRPr lang="ko-KR" altLang="en-US"/>
           </a:p>
@@ -11283,16 +11283,6 @@
           </a:lstStyle>
           <a:p>
             <a:r>
-              <a:rPr lang="ko-KR" altLang="en-US" dirty="0">
-                <a:solidFill>
-                  <a:schemeClr val="bg1"/>
-                </a:solidFill>
-                <a:latin typeface="나눔바른고딕" panose="020B0603020101020101" pitchFamily="50" charset="-127"/>
-                <a:ea typeface="나눔바른고딕" panose="020B0603020101020101" pitchFamily="50" charset="-127"/>
-              </a:rPr>
-              <a:t>과제</a:t>
-            </a:r>
-            <a:r>
               <a:rPr lang="en-US" altLang="ko-KR" dirty="0">
                 <a:solidFill>
                   <a:schemeClr val="bg1"/>
@@ -11300,7 +11290,7 @@
                 <a:latin typeface="나눔바른고딕" panose="020B0603020101020101" pitchFamily="50" charset="-127"/>
                 <a:ea typeface="나눔바른고딕" panose="020B0603020101020101" pitchFamily="50" charset="-127"/>
               </a:rPr>
-              <a:t> Process</a:t>
+              <a:t>Process</a:t>
             </a:r>
             <a:endParaRPr lang="ko-KR" altLang="en-US" dirty="0">
               <a:solidFill>
